--- a/21 - Análise do Ciclo de Vida.pptx
+++ b/21 - Análise do Ciclo de Vida.pptx
@@ -7,6 +7,7 @@
   <p:sldIdLst>
     <p:sldId id="256" r:id="rId2"/>
     <p:sldId id="257" r:id="rId3"/>
+    <p:sldId id="258" r:id="rId4"/>
   </p:sldIdLst>
   <p:sldSz cx="12192000" cy="6858000"/>
   <p:notesSz cx="6858000" cy="9144000"/>
@@ -105,19 +106,88 @@
       </a:defRPr>
     </a:lvl9pPr>
   </p:defaultTextStyle>
+  <p:extLst>
+    <p:ext uri="{EFAFB233-063F-42B5-8137-9DF3F51BA10A}">
+      <p15:sldGuideLst xmlns:p15="http://schemas.microsoft.com/office/powerpoint/2012/main"/>
+    </p:ext>
+  </p:extLst>
 </p:presentation>
 </file>
 
 <file path=ppt/revisionInfo.xml><?xml version="1.0" encoding="utf-8"?>
 <p1510:revInfo xmlns:a="http://schemas.openxmlformats.org/drawingml/2006/main" xmlns:r="http://schemas.openxmlformats.org/officeDocument/2006/relationships" xmlns:p1510="http://schemas.microsoft.com/office/powerpoint/2015/10/main">
   <p1510:revLst>
-    <p1510:client id="{24E28011-51E0-4FF3-A774-4CBD5857AB82}" v="11" dt="2020-10-22T14:56:40.336"/>
+    <p1510:client id="{0A83A1F8-46D6-4D8C-B424-5576F8021F9C}" v="1" dt="2020-11-09T21:15:10.139"/>
   </p1510:revLst>
 </p1510:revInfo>
 </file>
 
 <file path=ppt/changesInfos/changesInfo1.xml><?xml version="1.0" encoding="utf-8"?>
 <pc:chgInfo xmlns:a="http://schemas.openxmlformats.org/drawingml/2006/main" xmlns:r="http://schemas.openxmlformats.org/officeDocument/2006/relationships" xmlns:ac="http://schemas.microsoft.com/office/drawing/2013/main/command" xmlns:pc="http://schemas.microsoft.com/office/powerpoint/2013/main/command">
+  <pc:docChgLst>
+    <pc:chgData name="Rafael Izukawa" userId="8cd3af5bce398e7e" providerId="LiveId" clId="{0A83A1F8-46D6-4D8C-B424-5576F8021F9C}"/>
+    <pc:docChg chg="undo custSel addSld modSld">
+      <pc:chgData name="Rafael Izukawa" userId="8cd3af5bce398e7e" providerId="LiveId" clId="{0A83A1F8-46D6-4D8C-B424-5576F8021F9C}" dt="2020-11-09T21:17:13.817" v="65" actId="1036"/>
+      <pc:docMkLst>
+        <pc:docMk/>
+      </pc:docMkLst>
+      <pc:sldChg chg="addSp delSp modSp new mod">
+        <pc:chgData name="Rafael Izukawa" userId="8cd3af5bce398e7e" providerId="LiveId" clId="{0A83A1F8-46D6-4D8C-B424-5576F8021F9C}" dt="2020-11-09T21:17:13.817" v="65" actId="1036"/>
+        <pc:sldMkLst>
+          <pc:docMk/>
+          <pc:sldMk cId="2402418602" sldId="258"/>
+        </pc:sldMkLst>
+        <pc:spChg chg="del">
+          <ac:chgData name="Rafael Izukawa" userId="8cd3af5bce398e7e" providerId="LiveId" clId="{0A83A1F8-46D6-4D8C-B424-5576F8021F9C}" dt="2020-11-09T21:14:19.394" v="2" actId="478"/>
+          <ac:spMkLst>
+            <pc:docMk/>
+            <pc:sldMk cId="2402418602" sldId="258"/>
+            <ac:spMk id="2" creationId="{A5182E86-0A49-4A71-BB86-2778BDA68F7E}"/>
+          </ac:spMkLst>
+        </pc:spChg>
+        <pc:spChg chg="del">
+          <ac:chgData name="Rafael Izukawa" userId="8cd3af5bce398e7e" providerId="LiveId" clId="{0A83A1F8-46D6-4D8C-B424-5576F8021F9C}" dt="2020-11-09T21:14:16.063" v="1" actId="478"/>
+          <ac:spMkLst>
+            <pc:docMk/>
+            <pc:sldMk cId="2402418602" sldId="258"/>
+            <ac:spMk id="3" creationId="{932BB0B8-C4A8-4226-AB8F-EEEF98BB4433}"/>
+          </ac:spMkLst>
+        </pc:spChg>
+        <pc:spChg chg="add mod">
+          <ac:chgData name="Rafael Izukawa" userId="8cd3af5bce398e7e" providerId="LiveId" clId="{0A83A1F8-46D6-4D8C-B424-5576F8021F9C}" dt="2020-11-09T21:14:56.990" v="29" actId="20577"/>
+          <ac:spMkLst>
+            <pc:docMk/>
+            <pc:sldMk cId="2402418602" sldId="258"/>
+            <ac:spMk id="5" creationId="{53F5BBE3-9BED-485C-8DED-AAF663D2981E}"/>
+          </ac:spMkLst>
+        </pc:spChg>
+        <pc:spChg chg="add mod">
+          <ac:chgData name="Rafael Izukawa" userId="8cd3af5bce398e7e" providerId="LiveId" clId="{0A83A1F8-46D6-4D8C-B424-5576F8021F9C}" dt="2020-11-09T21:17:13.817" v="65" actId="1036"/>
+          <ac:spMkLst>
+            <pc:docMk/>
+            <pc:sldMk cId="2402418602" sldId="258"/>
+            <ac:spMk id="8" creationId="{C8BCBEBD-DFFF-4117-912C-68F527185DEE}"/>
+          </ac:spMkLst>
+        </pc:spChg>
+        <pc:spChg chg="add mod">
+          <ac:chgData name="Rafael Izukawa" userId="8cd3af5bce398e7e" providerId="LiveId" clId="{0A83A1F8-46D6-4D8C-B424-5576F8021F9C}" dt="2020-11-09T21:16:57.125" v="61" actId="1037"/>
+          <ac:spMkLst>
+            <pc:docMk/>
+            <pc:sldMk cId="2402418602" sldId="258"/>
+            <ac:spMk id="10" creationId="{F665F33E-39F9-4DBF-B71E-B4648D806914}"/>
+          </ac:spMkLst>
+        </pc:spChg>
+        <pc:picChg chg="add mod">
+          <ac:chgData name="Rafael Izukawa" userId="8cd3af5bce398e7e" providerId="LiveId" clId="{0A83A1F8-46D6-4D8C-B424-5576F8021F9C}" dt="2020-11-09T21:16:45.910" v="50" actId="1076"/>
+          <ac:picMkLst>
+            <pc:docMk/>
+            <pc:sldMk cId="2402418602" sldId="258"/>
+            <ac:picMk id="7" creationId="{1FE06F66-3EFE-46F7-B4B9-0A52C6EEADCC}"/>
+          </ac:picMkLst>
+        </pc:picChg>
+      </pc:sldChg>
+    </pc:docChg>
+  </pc:docChgLst>
   <pc:docChgLst>
     <pc:chgData name="Rafael Izukawa" userId="8cd3af5bce398e7e" providerId="LiveId" clId="{24E28011-51E0-4FF3-A774-4CBD5857AB82}"/>
     <pc:docChg chg="undo redo custSel addSld modSld">
@@ -403,7 +473,7 @@
           <a:p>
             <a:fld id="{8A6408E3-DD41-44B4-8796-AFCD0741C6C3}" type="datetimeFigureOut">
               <a:rPr lang="pt-BR" smtClean="0"/>
-              <a:t>22/10/2020</a:t>
+              <a:t>09/11/2020</a:t>
             </a:fld>
             <a:endParaRPr lang="pt-BR"/>
           </a:p>
@@ -601,7 +671,7 @@
           <a:p>
             <a:fld id="{8A6408E3-DD41-44B4-8796-AFCD0741C6C3}" type="datetimeFigureOut">
               <a:rPr lang="pt-BR" smtClean="0"/>
-              <a:t>22/10/2020</a:t>
+              <a:t>09/11/2020</a:t>
             </a:fld>
             <a:endParaRPr lang="pt-BR"/>
           </a:p>
@@ -809,7 +879,7 @@
           <a:p>
             <a:fld id="{8A6408E3-DD41-44B4-8796-AFCD0741C6C3}" type="datetimeFigureOut">
               <a:rPr lang="pt-BR" smtClean="0"/>
-              <a:t>22/10/2020</a:t>
+              <a:t>09/11/2020</a:t>
             </a:fld>
             <a:endParaRPr lang="pt-BR"/>
           </a:p>
@@ -1007,7 +1077,7 @@
           <a:p>
             <a:fld id="{8A6408E3-DD41-44B4-8796-AFCD0741C6C3}" type="datetimeFigureOut">
               <a:rPr lang="pt-BR" smtClean="0"/>
-              <a:t>22/10/2020</a:t>
+              <a:t>09/11/2020</a:t>
             </a:fld>
             <a:endParaRPr lang="pt-BR"/>
           </a:p>
@@ -1282,7 +1352,7 @@
           <a:p>
             <a:fld id="{8A6408E3-DD41-44B4-8796-AFCD0741C6C3}" type="datetimeFigureOut">
               <a:rPr lang="pt-BR" smtClean="0"/>
-              <a:t>22/10/2020</a:t>
+              <a:t>09/11/2020</a:t>
             </a:fld>
             <a:endParaRPr lang="pt-BR"/>
           </a:p>
@@ -1547,7 +1617,7 @@
           <a:p>
             <a:fld id="{8A6408E3-DD41-44B4-8796-AFCD0741C6C3}" type="datetimeFigureOut">
               <a:rPr lang="pt-BR" smtClean="0"/>
-              <a:t>22/10/2020</a:t>
+              <a:t>09/11/2020</a:t>
             </a:fld>
             <a:endParaRPr lang="pt-BR"/>
           </a:p>
@@ -1959,7 +2029,7 @@
           <a:p>
             <a:fld id="{8A6408E3-DD41-44B4-8796-AFCD0741C6C3}" type="datetimeFigureOut">
               <a:rPr lang="pt-BR" smtClean="0"/>
-              <a:t>22/10/2020</a:t>
+              <a:t>09/11/2020</a:t>
             </a:fld>
             <a:endParaRPr lang="pt-BR"/>
           </a:p>
@@ -2100,7 +2170,7 @@
           <a:p>
             <a:fld id="{8A6408E3-DD41-44B4-8796-AFCD0741C6C3}" type="datetimeFigureOut">
               <a:rPr lang="pt-BR" smtClean="0"/>
-              <a:t>22/10/2020</a:t>
+              <a:t>09/11/2020</a:t>
             </a:fld>
             <a:endParaRPr lang="pt-BR"/>
           </a:p>
@@ -2213,7 +2283,7 @@
           <a:p>
             <a:fld id="{8A6408E3-DD41-44B4-8796-AFCD0741C6C3}" type="datetimeFigureOut">
               <a:rPr lang="pt-BR" smtClean="0"/>
-              <a:t>22/10/2020</a:t>
+              <a:t>09/11/2020</a:t>
             </a:fld>
             <a:endParaRPr lang="pt-BR"/>
           </a:p>
@@ -2524,7 +2594,7 @@
           <a:p>
             <a:fld id="{8A6408E3-DD41-44B4-8796-AFCD0741C6C3}" type="datetimeFigureOut">
               <a:rPr lang="pt-BR" smtClean="0"/>
-              <a:t>22/10/2020</a:t>
+              <a:t>09/11/2020</a:t>
             </a:fld>
             <a:endParaRPr lang="pt-BR"/>
           </a:p>
@@ -2812,7 +2882,7 @@
           <a:p>
             <a:fld id="{8A6408E3-DD41-44B4-8796-AFCD0741C6C3}" type="datetimeFigureOut">
               <a:rPr lang="pt-BR" smtClean="0"/>
-              <a:t>22/10/2020</a:t>
+              <a:t>09/11/2020</a:t>
             </a:fld>
             <a:endParaRPr lang="pt-BR"/>
           </a:p>
@@ -3053,7 +3123,7 @@
           <a:p>
             <a:fld id="{8A6408E3-DD41-44B4-8796-AFCD0741C6C3}" type="datetimeFigureOut">
               <a:rPr lang="pt-BR" smtClean="0"/>
-              <a:t>22/10/2020</a:t>
+              <a:t>09/11/2020</a:t>
             </a:fld>
             <a:endParaRPr lang="pt-BR"/>
           </a:p>
@@ -3682,6 +3752,213 @@
 </p:sld>
 </file>
 
+<file path=ppt/slides/slide3.xml><?xml version="1.0" encoding="utf-8"?>
+<p:sld xmlns:a="http://schemas.openxmlformats.org/drawingml/2006/main" xmlns:r="http://schemas.openxmlformats.org/officeDocument/2006/relationships" xmlns:p="http://schemas.openxmlformats.org/presentationml/2006/main">
+  <p:cSld>
+    <p:spTree>
+      <p:nvGrpSpPr>
+        <p:cNvPr id="1" name=""/>
+        <p:cNvGrpSpPr/>
+        <p:nvPr/>
+      </p:nvGrpSpPr>
+      <p:grpSpPr>
+        <a:xfrm>
+          <a:off x="0" y="0"/>
+          <a:ext cx="0" cy="0"/>
+          <a:chOff x="0" y="0"/>
+          <a:chExt cx="0" cy="0"/>
+        </a:xfrm>
+      </p:grpSpPr>
+      <p:sp>
+        <p:nvSpPr>
+          <p:cNvPr id="5" name="CaixaDeTexto 4">
+            <a:extLst>
+              <a:ext uri="{FF2B5EF4-FFF2-40B4-BE49-F238E27FC236}">
+                <a16:creationId xmlns:a16="http://schemas.microsoft.com/office/drawing/2014/main" id="{53F5BBE3-9BED-485C-8DED-AAF663D2981E}"/>
+              </a:ext>
+            </a:extLst>
+          </p:cNvPr>
+          <p:cNvSpPr txBox="1"/>
+          <p:nvPr/>
+        </p:nvSpPr>
+        <p:spPr>
+          <a:xfrm>
+            <a:off x="195309" y="75460"/>
+            <a:ext cx="4727320" cy="923330"/>
+          </a:xfrm>
+          <a:prstGeom prst="rect">
+            <a:avLst/>
+          </a:prstGeom>
+          <a:noFill/>
+        </p:spPr>
+        <p:txBody>
+          <a:bodyPr wrap="none" rtlCol="0">
+            <a:spAutoFit/>
+          </a:bodyPr>
+          <a:lstStyle/>
+          <a:p>
+            <a:r>
+              <a:rPr lang="pt-BR" dirty="0"/>
+              <a:t>Análise do Ciclo de Vida</a:t>
+            </a:r>
+          </a:p>
+          <a:p>
+            <a:r>
+              <a:rPr lang="pt-BR" dirty="0"/>
+              <a:t>Cenário:  Trocar Produto</a:t>
+            </a:r>
+          </a:p>
+          <a:p>
+            <a:r>
+              <a:rPr lang="pt-BR" dirty="0"/>
+              <a:t>Capacidade operacional: Tratar troca de produto</a:t>
+            </a:r>
+          </a:p>
+        </p:txBody>
+      </p:sp>
+      <p:pic>
+        <p:nvPicPr>
+          <p:cNvPr id="7" name="Imagem 6" descr="Diagrama&#10;&#10;Descrição gerada automaticamente">
+            <a:extLst>
+              <a:ext uri="{FF2B5EF4-FFF2-40B4-BE49-F238E27FC236}">
+                <a16:creationId xmlns:a16="http://schemas.microsoft.com/office/drawing/2014/main" id="{1FE06F66-3EFE-46F7-B4B9-0A52C6EEADCC}"/>
+              </a:ext>
+            </a:extLst>
+          </p:cNvPr>
+          <p:cNvPicPr>
+            <a:picLocks noChangeAspect="1"/>
+          </p:cNvPicPr>
+          <p:nvPr/>
+        </p:nvPicPr>
+        <p:blipFill>
+          <a:blip r:embed="rId2">
+            <a:extLst>
+              <a:ext uri="{28A0092B-C50C-407E-A947-70E740481C1C}">
+                <a14:useLocalDpi xmlns:a14="http://schemas.microsoft.com/office/drawing/2010/main" val="0"/>
+              </a:ext>
+            </a:extLst>
+          </a:blip>
+          <a:stretch>
+            <a:fillRect/>
+          </a:stretch>
+        </p:blipFill>
+        <p:spPr>
+          <a:xfrm>
+            <a:off x="548241" y="1634508"/>
+            <a:ext cx="10296525" cy="4476750"/>
+          </a:xfrm>
+          <a:prstGeom prst="rect">
+            <a:avLst/>
+          </a:prstGeom>
+        </p:spPr>
+      </p:pic>
+      <p:sp>
+        <p:nvSpPr>
+          <p:cNvPr id="8" name="Elipse 7">
+            <a:extLst>
+              <a:ext uri="{FF2B5EF4-FFF2-40B4-BE49-F238E27FC236}">
+                <a16:creationId xmlns:a16="http://schemas.microsoft.com/office/drawing/2014/main" id="{C8BCBEBD-DFFF-4117-912C-68F527185DEE}"/>
+              </a:ext>
+            </a:extLst>
+          </p:cNvPr>
+          <p:cNvSpPr/>
+          <p:nvPr/>
+        </p:nvSpPr>
+        <p:spPr>
+          <a:xfrm>
+            <a:off x="9598242" y="5205736"/>
+            <a:ext cx="443884" cy="423909"/>
+          </a:xfrm>
+          <a:prstGeom prst="ellipse">
+            <a:avLst/>
+          </a:prstGeom>
+          <a:noFill/>
+        </p:spPr>
+        <p:style>
+          <a:lnRef idx="2">
+            <a:schemeClr val="accent1">
+              <a:shade val="50000"/>
+            </a:schemeClr>
+          </a:lnRef>
+          <a:fillRef idx="1">
+            <a:schemeClr val="accent1"/>
+          </a:fillRef>
+          <a:effectRef idx="0">
+            <a:schemeClr val="accent1"/>
+          </a:effectRef>
+          <a:fontRef idx="minor">
+            <a:schemeClr val="lt1"/>
+          </a:fontRef>
+        </p:style>
+        <p:txBody>
+          <a:bodyPr rtlCol="0" anchor="ctr"/>
+          <a:lstStyle/>
+          <a:p>
+            <a:pPr algn="ctr"/>
+            <a:endParaRPr lang="pt-BR"/>
+          </a:p>
+        </p:txBody>
+      </p:sp>
+      <p:sp>
+        <p:nvSpPr>
+          <p:cNvPr id="10" name="Elipse 9">
+            <a:extLst>
+              <a:ext uri="{FF2B5EF4-FFF2-40B4-BE49-F238E27FC236}">
+                <a16:creationId xmlns:a16="http://schemas.microsoft.com/office/drawing/2014/main" id="{F665F33E-39F9-4DBF-B71E-B4648D806914}"/>
+              </a:ext>
+            </a:extLst>
+          </p:cNvPr>
+          <p:cNvSpPr/>
+          <p:nvPr/>
+        </p:nvSpPr>
+        <p:spPr>
+          <a:xfrm>
+            <a:off x="9615998" y="3364431"/>
+            <a:ext cx="443884" cy="423909"/>
+          </a:xfrm>
+          <a:prstGeom prst="ellipse">
+            <a:avLst/>
+          </a:prstGeom>
+          <a:noFill/>
+        </p:spPr>
+        <p:style>
+          <a:lnRef idx="2">
+            <a:schemeClr val="accent1">
+              <a:shade val="50000"/>
+            </a:schemeClr>
+          </a:lnRef>
+          <a:fillRef idx="1">
+            <a:schemeClr val="accent1"/>
+          </a:fillRef>
+          <a:effectRef idx="0">
+            <a:schemeClr val="accent1"/>
+          </a:effectRef>
+          <a:fontRef idx="minor">
+            <a:schemeClr val="lt1"/>
+          </a:fontRef>
+        </p:style>
+        <p:txBody>
+          <a:bodyPr rtlCol="0" anchor="ctr"/>
+          <a:lstStyle/>
+          <a:p>
+            <a:pPr algn="ctr"/>
+            <a:endParaRPr lang="pt-BR"/>
+          </a:p>
+        </p:txBody>
+      </p:sp>
+    </p:spTree>
+    <p:extLst>
+      <p:ext uri="{BB962C8B-B14F-4D97-AF65-F5344CB8AC3E}">
+        <p14:creationId xmlns:p14="http://schemas.microsoft.com/office/powerpoint/2010/main" val="2402418602"/>
+      </p:ext>
+    </p:extLst>
+  </p:cSld>
+  <p:clrMapOvr>
+    <a:masterClrMapping/>
+  </p:clrMapOvr>
+</p:sld>
+</file>
+
 <file path=ppt/theme/theme1.xml><?xml version="1.0" encoding="utf-8"?>
 <a:theme xmlns:a="http://schemas.openxmlformats.org/drawingml/2006/main" name="Tema do Office">
   <a:themeElements>
